--- a/logistic_regression/Logistic Regression.pptx
+++ b/logistic_regression/Logistic Regression.pptx
@@ -106,6 +106,11 @@
       </a:defRPr>
     </a:lvl9pPr>
   </p:defaultTextStyle>
+  <p:extLst>
+    <p:ext uri="{EFAFB233-063F-42B5-8137-9DF3F51BA10A}">
+      <p15:sldGuideLst xmlns:p15="http://schemas.microsoft.com/office/powerpoint/2012/main"/>
+    </p:ext>
+  </p:extLst>
 </p:presentation>
 </file>
 
@@ -4196,18 +4201,7 @@
             </a:r>
           </a:p>
           <a:p>
-            <a:pPr marL="1200150" lvl="2" indent="-285750">
-              <a:buFont typeface="Arial" panose="020B0604020202020204" pitchFamily="34" charset="0"/>
-              <a:buChar char="•"/>
-            </a:pPr>
-            <a:r>
-              <a:rPr lang="en-IN" dirty="0"/>
-              <a:t> </a:t>
-            </a:r>
-            <a:r>
-              <a:rPr lang="en-IN" dirty="0" err="1"/>
-              <a:t>Softmax</a:t>
-            </a:r>
+            <a:pPr lvl="2"/>
             <a:endParaRPr lang="en-IN" dirty="0"/>
           </a:p>
         </p:txBody>
@@ -4383,7 +4377,7 @@
                 <a:ea typeface="+mn-ea"/>
                 <a:cs typeface="+mn-cs"/>
               </a:rPr>
-              <a:t>Machine Learning</a:t>
+              <a:t>Q&amp;A</a:t>
             </a:r>
           </a:p>
         </p:txBody>
